--- a/AutonomousCarsNonTechnicalR.pptx
+++ b/AutonomousCarsNonTechnicalR.pptx
@@ -30951,7 +30951,7 @@
           <a:graphicData uri="http://schemas.openxmlformats.org/presentationml/2006/ole">
             <mc:AlternateContent xmlns:mc="http://schemas.openxmlformats.org/markup-compatibility/2006">
               <mc:Choice xmlns:v="urn:schemas-microsoft-com:vml" Requires="v">
-                <p:oleObj spid="_x0000_s6251" name="think-cell Slide" r:id="rId41" imgW="270" imgH="270" progId="TCLayout.ActiveDocument.1">
+                <p:oleObj spid="_x0000_s6255" name="think-cell Slide" r:id="rId41" imgW="270" imgH="270" progId="TCLayout.ActiveDocument.1">
                   <p:embed/>
                 </p:oleObj>
               </mc:Choice>
@@ -32608,43 +32608,31 @@
           <a:p>
             <a:r>
               <a:rPr lang="en-US" dirty="0"/>
-              <a:t>Overview	3</a:t>
+              <a:t>Overview	2</a:t>
             </a:r>
           </a:p>
           <a:p>
             <a:r>
               <a:rPr lang="en-US" dirty="0"/>
-              <a:t>Current State of Autonomous Cars	4</a:t>
+              <a:t>Current State of Autonomous Cars	3</a:t>
             </a:r>
           </a:p>
           <a:p>
             <a:r>
               <a:rPr lang="en-US" dirty="0"/>
-              <a:t>Advantages and Opportunity Areas	5</a:t>
+              <a:t>Understanding the Data	4</a:t>
             </a:r>
           </a:p>
           <a:p>
             <a:r>
               <a:rPr lang="en-US" dirty="0"/>
-              <a:t>Understanding the Data	6</a:t>
+              <a:t>What’s Next?	5</a:t>
             </a:r>
           </a:p>
           <a:p>
             <a:r>
               <a:rPr lang="en-US" dirty="0"/>
-              <a:t>Safety and Reliability	7</a:t>
-            </a:r>
-          </a:p>
-          <a:p>
-            <a:r>
-              <a:rPr lang="en-US" dirty="0"/>
-              <a:t>What’s Next?	8</a:t>
-            </a:r>
-          </a:p>
-          <a:p>
-            <a:r>
-              <a:rPr lang="en-US" dirty="0"/>
-              <a:t>Conclusions, Q/A	9</a:t>
+              <a:t>Conclusions, Q/A	6</a:t>
             </a:r>
           </a:p>
           <a:p>
@@ -36971,6 +36959,21 @@
 </file>
 
 <file path=customXml/item1.xml><?xml version="1.0" encoding="utf-8"?>
+<?mso-contentType ?>
+<FormTemplates xmlns="http://schemas.microsoft.com/sharepoint/v3/contenttype/forms">
+  <Display>DocumentLibraryForm</Display>
+  <Edit>DocumentLibraryForm</Edit>
+  <New>DocumentLibraryForm</New>
+</FormTemplates>
+</file>
+
+<file path=customXml/item2.xml><?xml version="1.0" encoding="utf-8"?>
+<p:properties xmlns:p="http://schemas.microsoft.com/office/2006/metadata/properties" xmlns:xsi="http://www.w3.org/2001/XMLSchema-instance" xmlns:pc="http://schemas.microsoft.com/office/infopath/2007/PartnerControls">
+  <documentManagement/>
+</p:properties>
+</file>
+
+<file path=customXml/item3.xml><?xml version="1.0" encoding="utf-8"?>
 <ct:contentTypeSchema xmlns:ct="http://schemas.microsoft.com/office/2006/metadata/contentType" xmlns:ma="http://schemas.microsoft.com/office/2006/metadata/properties/metaAttributes" ct:_="" ma:_="" ma:contentTypeName="Document" ma:contentTypeID="0x01010097C0B5E8C28FBB4DB6BB6E6547CA8A70" ma:contentTypeVersion="13" ma:contentTypeDescription="Create a new document." ma:contentTypeScope="" ma:versionID="0a46a10188038176b4a387d52ea71e7a">
   <xsd:schema xmlns:xsd="http://www.w3.org/2001/XMLSchema" xmlns:xs="http://www.w3.org/2001/XMLSchema" xmlns:p="http://schemas.microsoft.com/office/2006/metadata/properties" xmlns:ns3="8f1e2369-70da-40d7-b978-99d0855b91b8" xmlns:ns4="8ee28f6f-733e-446a-845c-015b8614e1f7" targetNamespace="http://schemas.microsoft.com/office/2006/metadata/properties" ma:root="true" ma:fieldsID="79067f50d15324d46a422f953b0a6563" ns3:_="" ns4:_="">
     <xsd:import namespace="8f1e2369-70da-40d7-b978-99d0855b91b8"/>
@@ -37193,36 +37196,10 @@
 </ct:contentTypeSchema>
 </file>
 
-<file path=customXml/item2.xml><?xml version="1.0" encoding="utf-8"?>
-<p:properties xmlns:p="http://schemas.microsoft.com/office/2006/metadata/properties" xmlns:xsi="http://www.w3.org/2001/XMLSchema-instance" xmlns:pc="http://schemas.microsoft.com/office/infopath/2007/PartnerControls">
-  <documentManagement/>
-</p:properties>
-</file>
-
-<file path=customXml/item3.xml><?xml version="1.0" encoding="utf-8"?>
-<?mso-contentType ?>
-<FormTemplates xmlns="http://schemas.microsoft.com/sharepoint/v3/contenttype/forms">
-  <Display>DocumentLibraryForm</Display>
-  <Edit>DocumentLibraryForm</Edit>
-  <New>DocumentLibraryForm</New>
-</FormTemplates>
-</file>
-
 <file path=customXml/itemProps1.xml><?xml version="1.0" encoding="utf-8"?>
-<ds:datastoreItem xmlns:ds="http://schemas.openxmlformats.org/officeDocument/2006/customXml" ds:itemID="{DBF5FBC8-9FF1-4377-BFED-A78611F885BB}">
+<ds:datastoreItem xmlns:ds="http://schemas.openxmlformats.org/officeDocument/2006/customXml" ds:itemID="{512E9EB6-BE14-4E9B-B53A-6D95BDD731E5}">
   <ds:schemaRefs>
-    <ds:schemaRef ds:uri="http://schemas.microsoft.com/office/2006/metadata/contentType"/>
-    <ds:schemaRef ds:uri="http://schemas.microsoft.com/office/2006/metadata/properties/metaAttributes"/>
-    <ds:schemaRef ds:uri="http://www.w3.org/2001/XMLSchema"/>
-    <ds:schemaRef ds:uri="http://schemas.microsoft.com/office/2006/metadata/properties"/>
-    <ds:schemaRef ds:uri="8f1e2369-70da-40d7-b978-99d0855b91b8"/>
-    <ds:schemaRef ds:uri="8ee28f6f-733e-446a-845c-015b8614e1f7"/>
-    <ds:schemaRef ds:uri="http://schemas.microsoft.com/office/2006/documentManagement/types"/>
-    <ds:schemaRef ds:uri="http://schemas.microsoft.com/office/infopath/2007/PartnerControls"/>
-    <ds:schemaRef ds:uri="http://schemas.openxmlformats.org/package/2006/metadata/core-properties"/>
-    <ds:schemaRef ds:uri="http://purl.org/dc/elements/1.1/"/>
-    <ds:schemaRef ds:uri="http://purl.org/dc/terms/"/>
-    <ds:schemaRef ds:uri="http://schemas.microsoft.com/internal/obd"/>
+    <ds:schemaRef ds:uri="http://schemas.microsoft.com/sharepoint/v3/contenttype/forms"/>
   </ds:schemaRefs>
 </ds:datastoreItem>
 </file>
@@ -37245,9 +37222,20 @@
 </file>
 
 <file path=customXml/itemProps3.xml><?xml version="1.0" encoding="utf-8"?>
-<ds:datastoreItem xmlns:ds="http://schemas.openxmlformats.org/officeDocument/2006/customXml" ds:itemID="{512E9EB6-BE14-4E9B-B53A-6D95BDD731E5}">
+<ds:datastoreItem xmlns:ds="http://schemas.openxmlformats.org/officeDocument/2006/customXml" ds:itemID="{DBF5FBC8-9FF1-4377-BFED-A78611F885BB}">
   <ds:schemaRefs>
-    <ds:schemaRef ds:uri="http://schemas.microsoft.com/sharepoint/v3/contenttype/forms"/>
+    <ds:schemaRef ds:uri="http://schemas.microsoft.com/office/2006/metadata/contentType"/>
+    <ds:schemaRef ds:uri="http://schemas.microsoft.com/office/2006/metadata/properties/metaAttributes"/>
+    <ds:schemaRef ds:uri="http://www.w3.org/2001/XMLSchema"/>
+    <ds:schemaRef ds:uri="http://schemas.microsoft.com/office/2006/metadata/properties"/>
+    <ds:schemaRef ds:uri="8f1e2369-70da-40d7-b978-99d0855b91b8"/>
+    <ds:schemaRef ds:uri="8ee28f6f-733e-446a-845c-015b8614e1f7"/>
+    <ds:schemaRef ds:uri="http://schemas.microsoft.com/office/2006/documentManagement/types"/>
+    <ds:schemaRef ds:uri="http://schemas.microsoft.com/office/infopath/2007/PartnerControls"/>
+    <ds:schemaRef ds:uri="http://schemas.openxmlformats.org/package/2006/metadata/core-properties"/>
+    <ds:schemaRef ds:uri="http://purl.org/dc/elements/1.1/"/>
+    <ds:schemaRef ds:uri="http://purl.org/dc/terms/"/>
+    <ds:schemaRef ds:uri="http://schemas.microsoft.com/internal/obd"/>
   </ds:schemaRefs>
 </ds:datastoreItem>
 </file>